--- a/Диплом. Документация/Презентация.pptx
+++ b/Диплом. Документация/Презентация.pptx
@@ -865,7 +865,7 @@
           <a:p>
             <a:fld id="{A0D0EFEF-2CAD-4A38-B183-5532D8FFC417}" type="datetimeFigureOut">
               <a:rPr lang="en-US" smtClean="0"/>
-              <a:t>5/30/21</a:t>
+              <a:t>5/31/21</a:t>
             </a:fld>
             <a:endParaRPr lang="en-US"/>
           </a:p>
@@ -1036,7 +1036,7 @@
           <a:p>
             <a:fld id="{A0D0EFEF-2CAD-4A38-B183-5532D8FFC417}" type="datetimeFigureOut">
               <a:rPr lang="en-US" smtClean="0"/>
-              <a:t>5/30/21</a:t>
+              <a:t>5/31/21</a:t>
             </a:fld>
             <a:endParaRPr lang="en-US"/>
           </a:p>
@@ -1217,7 +1217,7 @@
           <a:p>
             <a:fld id="{A0D0EFEF-2CAD-4A38-B183-5532D8FFC417}" type="datetimeFigureOut">
               <a:rPr lang="en-US" smtClean="0"/>
-              <a:t>5/30/21</a:t>
+              <a:t>5/31/21</a:t>
             </a:fld>
             <a:endParaRPr lang="en-US"/>
           </a:p>
@@ -1886,7 +1886,7 @@
           <a:p>
             <a:fld id="{A0D0EFEF-2CAD-4A38-B183-5532D8FFC417}" type="datetimeFigureOut">
               <a:rPr lang="en-US" smtClean="0"/>
-              <a:t>5/30/21</a:t>
+              <a:t>5/31/21</a:t>
             </a:fld>
             <a:endParaRPr lang="en-US"/>
           </a:p>
@@ -2133,7 +2133,7 @@
           <a:p>
             <a:fld id="{A0D0EFEF-2CAD-4A38-B183-5532D8FFC417}" type="datetimeFigureOut">
               <a:rPr lang="en-US" smtClean="0"/>
-              <a:t>5/30/21</a:t>
+              <a:t>5/31/21</a:t>
             </a:fld>
             <a:endParaRPr lang="en-US"/>
           </a:p>
@@ -2366,7 +2366,7 @@
           <a:p>
             <a:fld id="{A0D0EFEF-2CAD-4A38-B183-5532D8FFC417}" type="datetimeFigureOut">
               <a:rPr lang="en-US" smtClean="0"/>
-              <a:t>5/30/21</a:t>
+              <a:t>5/31/21</a:t>
             </a:fld>
             <a:endParaRPr lang="en-US"/>
           </a:p>
@@ -2734,7 +2734,7 @@
           <a:p>
             <a:fld id="{A0D0EFEF-2CAD-4A38-B183-5532D8FFC417}" type="datetimeFigureOut">
               <a:rPr lang="en-US" smtClean="0"/>
-              <a:t>5/30/21</a:t>
+              <a:t>5/31/21</a:t>
             </a:fld>
             <a:endParaRPr lang="en-US"/>
           </a:p>
@@ -2853,7 +2853,7 @@
           <a:p>
             <a:fld id="{A0D0EFEF-2CAD-4A38-B183-5532D8FFC417}" type="datetimeFigureOut">
               <a:rPr lang="en-US" smtClean="0"/>
-              <a:t>5/30/21</a:t>
+              <a:t>5/31/21</a:t>
             </a:fld>
             <a:endParaRPr lang="en-US"/>
           </a:p>
@@ -2949,7 +2949,7 @@
           <a:p>
             <a:fld id="{A0D0EFEF-2CAD-4A38-B183-5532D8FFC417}" type="datetimeFigureOut">
               <a:rPr lang="en-US" smtClean="0"/>
-              <a:t>5/30/21</a:t>
+              <a:t>5/31/21</a:t>
             </a:fld>
             <a:endParaRPr lang="en-US"/>
           </a:p>
@@ -3227,7 +3227,7 @@
           <a:p>
             <a:fld id="{A0D0EFEF-2CAD-4A38-B183-5532D8FFC417}" type="datetimeFigureOut">
               <a:rPr lang="en-US" smtClean="0"/>
-              <a:t>5/30/21</a:t>
+              <a:t>5/31/21</a:t>
             </a:fld>
             <a:endParaRPr lang="en-US"/>
           </a:p>
@@ -3481,7 +3481,7 @@
           <a:p>
             <a:fld id="{A0D0EFEF-2CAD-4A38-B183-5532D8FFC417}" type="datetimeFigureOut">
               <a:rPr lang="en-US" smtClean="0"/>
-              <a:t>5/30/21</a:t>
+              <a:t>5/31/21</a:t>
             </a:fld>
             <a:endParaRPr lang="en-US"/>
           </a:p>
@@ -3695,7 +3695,7 @@
           <a:p>
             <a:fld id="{A0D0EFEF-2CAD-4A38-B183-5532D8FFC417}" type="datetimeFigureOut">
               <a:rPr lang="en-US" smtClean="0"/>
-              <a:t>5/30/21</a:t>
+              <a:t>5/31/21</a:t>
             </a:fld>
             <a:endParaRPr lang="en-US"/>
           </a:p>
@@ -5108,14 +5108,8 @@
                 <a:ea typeface="Apple SD Gothic Neo" panose="02000300000000000000" pitchFamily="2" charset="-127"/>
                 <a:cs typeface="Times New Roman" panose="02020603050405020304" pitchFamily="18" charset="0"/>
               </a:rPr>
-              <a:t>Блок-схема процесса создания криптокошелька</a:t>
-            </a:r>
-            <a:endParaRPr lang="en-US" sz="3200" b="1" dirty="0">
-              <a:effectLst/>
-              <a:latin typeface="Apple SD Gothic Neo" panose="02000300000000000000" pitchFamily="2" charset="-127"/>
-              <a:ea typeface="Apple SD Gothic Neo" panose="02000300000000000000" pitchFamily="2" charset="-127"/>
-              <a:cs typeface="Times New Roman" panose="02020603050405020304" pitchFamily="18" charset="0"/>
-            </a:endParaRPr>
+              <a:t>Диаграмма классов</a:t>
+            </a:r>
           </a:p>
         </p:txBody>
       </p:sp>
@@ -10109,6 +10103,36 @@
           </a:p>
         </p:txBody>
       </p:sp>
+      <p:pic>
+        <p:nvPicPr>
+          <p:cNvPr id="6" name="Picture 5">
+            <a:extLst>
+              <a:ext uri="{FF2B5EF4-FFF2-40B4-BE49-F238E27FC236}">
+                <a16:creationId xmlns:a16="http://schemas.microsoft.com/office/drawing/2014/main" id="{C97ADAD7-7EC5-A64B-98F6-FFD1488814CD}"/>
+              </a:ext>
+            </a:extLst>
+          </p:cNvPr>
+          <p:cNvPicPr>
+            <a:picLocks noChangeAspect="1"/>
+          </p:cNvPicPr>
+          <p:nvPr/>
+        </p:nvPicPr>
+        <p:blipFill>
+          <a:blip r:embed="rId2"/>
+          <a:stretch>
+            <a:fillRect/>
+          </a:stretch>
+        </p:blipFill>
+        <p:spPr>
+          <a:xfrm>
+            <a:off x="3755238" y="1481666"/>
+            <a:ext cx="4684697" cy="4987933"/>
+          </a:xfrm>
+          <a:prstGeom prst="rect">
+            <a:avLst/>
+          </a:prstGeom>
+        </p:spPr>
+      </p:pic>
     </p:spTree>
     <p:extLst>
       <p:ext uri="{BB962C8B-B14F-4D97-AF65-F5344CB8AC3E}">

--- a/Диплом. Документация/Презентация.pptx
+++ b/Диплом. Документация/Презентация.pptx
@@ -5242,6 +5242,76 @@
           </a:p>
         </p:txBody>
       </p:sp>
+      <p:pic>
+        <p:nvPicPr>
+          <p:cNvPr id="3" name="Picture 2">
+            <a:extLst>
+              <a:ext uri="{FF2B5EF4-FFF2-40B4-BE49-F238E27FC236}">
+                <a16:creationId xmlns:a16="http://schemas.microsoft.com/office/drawing/2014/main" id="{19BBC8A7-45F7-8144-97B0-F55F6C4F0655}"/>
+              </a:ext>
+            </a:extLst>
+          </p:cNvPr>
+          <p:cNvPicPr>
+            <a:picLocks noChangeAspect="1"/>
+          </p:cNvPicPr>
+          <p:nvPr/>
+        </p:nvPicPr>
+        <p:blipFill>
+          <a:blip r:embed="rId2"/>
+          <a:stretch>
+            <a:fillRect/>
+          </a:stretch>
+        </p:blipFill>
+        <p:spPr>
+          <a:xfrm>
+            <a:off x="6628445" y="887639"/>
+            <a:ext cx="3073194" cy="5471055"/>
+          </a:xfrm>
+          <a:prstGeom prst="rect">
+            <a:avLst/>
+          </a:prstGeom>
+          <a:ln w="6350">
+            <a:solidFill>
+              <a:schemeClr val="tx1"/>
+            </a:solidFill>
+          </a:ln>
+        </p:spPr>
+      </p:pic>
+      <p:pic>
+        <p:nvPicPr>
+          <p:cNvPr id="7" name="Picture 6">
+            <a:extLst>
+              <a:ext uri="{FF2B5EF4-FFF2-40B4-BE49-F238E27FC236}">
+                <a16:creationId xmlns:a16="http://schemas.microsoft.com/office/drawing/2014/main" id="{87BF4156-DCFE-6A4B-916E-E993BF712464}"/>
+              </a:ext>
+            </a:extLst>
+          </p:cNvPr>
+          <p:cNvPicPr>
+            <a:picLocks noChangeAspect="1"/>
+          </p:cNvPicPr>
+          <p:nvPr/>
+        </p:nvPicPr>
+        <p:blipFill>
+          <a:blip r:embed="rId3"/>
+          <a:stretch>
+            <a:fillRect/>
+          </a:stretch>
+        </p:blipFill>
+        <p:spPr>
+          <a:xfrm>
+            <a:off x="2744098" y="887639"/>
+            <a:ext cx="2530636" cy="5479670"/>
+          </a:xfrm>
+          <a:prstGeom prst="rect">
+            <a:avLst/>
+          </a:prstGeom>
+          <a:ln w="6350">
+            <a:solidFill>
+              <a:schemeClr val="tx1"/>
+            </a:solidFill>
+          </a:ln>
+        </p:spPr>
+      </p:pic>
     </p:spTree>
     <p:extLst>
       <p:ext uri="{BB962C8B-B14F-4D97-AF65-F5344CB8AC3E}">
@@ -5627,138 +5697,6 @@
           <a:p>
             <a:pPr algn="ctr"/>
             <a:endParaRPr lang="en-US"/>
-          </a:p>
-        </p:txBody>
-      </p:sp>
-      <p:sp>
-        <p:nvSpPr>
-          <p:cNvPr id="3" name="Прямоугольник 2"/>
-          <p:cNvSpPr/>
-          <p:nvPr/>
-        </p:nvSpPr>
-        <p:spPr>
-          <a:xfrm>
-            <a:off x="1870364" y="2379482"/>
-            <a:ext cx="7275224" cy="1886670"/>
-          </a:xfrm>
-          <a:prstGeom prst="rect">
-            <a:avLst/>
-          </a:prstGeom>
-          <a:ln>
-            <a:solidFill>
-              <a:schemeClr val="accent1"/>
-            </a:solidFill>
-          </a:ln>
-        </p:spPr>
-        <p:txBody>
-          <a:bodyPr wrap="square">
-            <a:spAutoFit/>
-          </a:bodyPr>
-          <a:lstStyle/>
-          <a:p>
-            <a:pPr lvl="0" algn="ctr">
-              <a:lnSpc>
-                <a:spcPct val="115000"/>
-              </a:lnSpc>
-              <a:spcBef>
-                <a:spcPts val="1200"/>
-              </a:spcBef>
-              <a:spcAft>
-                <a:spcPts val="0"/>
-              </a:spcAft>
-            </a:pPr>
-            <a:r>
-              <a:rPr lang="en-US" sz="2800" dirty="0">
-                <a:latin typeface="+mn-lt"/>
-                <a:ea typeface="Calibri" panose="020F0502020204030204" pitchFamily="34" charset="0"/>
-                <a:cs typeface="Times New Roman" panose="02020603050405020304" pitchFamily="18" charset="0"/>
-              </a:rPr>
-              <a:t>STOP</a:t>
-            </a:r>
-            <a:r>
-              <a:rPr lang="ru-RU" sz="2800" dirty="0">
-                <a:latin typeface="+mn-lt"/>
-                <a:ea typeface="Calibri" panose="020F0502020204030204" pitchFamily="34" charset="0"/>
-                <a:cs typeface="Times New Roman" panose="02020603050405020304" pitchFamily="18" charset="0"/>
-              </a:rPr>
-              <a:t>! </a:t>
-            </a:r>
-          </a:p>
-          <a:p>
-            <a:pPr lvl="0" algn="ctr">
-              <a:lnSpc>
-                <a:spcPct val="115000"/>
-              </a:lnSpc>
-              <a:spcBef>
-                <a:spcPts val="1200"/>
-              </a:spcBef>
-              <a:spcAft>
-                <a:spcPts val="0"/>
-              </a:spcAft>
-            </a:pPr>
-            <a:r>
-              <a:rPr lang="en-US" sz="2800" dirty="0">
-                <a:latin typeface="+mn-lt"/>
-                <a:ea typeface="Calibri" panose="020F0502020204030204" pitchFamily="34" charset="0"/>
-                <a:cs typeface="Times New Roman" panose="02020603050405020304" pitchFamily="18" charset="0"/>
-              </a:rPr>
-              <a:t>On</a:t>
-            </a:r>
-            <a:r>
-              <a:rPr lang="ru-RU" sz="2800" dirty="0">
-                <a:latin typeface="+mn-lt"/>
-                <a:ea typeface="Calibri" panose="020F0502020204030204" pitchFamily="34" charset="0"/>
-                <a:cs typeface="Times New Roman" panose="02020603050405020304" pitchFamily="18" charset="0"/>
-              </a:rPr>
-              <a:t>-</a:t>
-            </a:r>
-            <a:r>
-              <a:rPr lang="en-US" sz="2800" dirty="0">
-                <a:latin typeface="+mn-lt"/>
-                <a:ea typeface="Calibri" panose="020F0502020204030204" pitchFamily="34" charset="0"/>
-                <a:cs typeface="Times New Roman" panose="02020603050405020304" pitchFamily="18" charset="0"/>
-              </a:rPr>
-              <a:t>line</a:t>
-            </a:r>
-            <a:r>
-              <a:rPr lang="ru-RU" sz="2800" dirty="0">
-                <a:latin typeface="+mn-lt"/>
-                <a:ea typeface="Calibri" panose="020F0502020204030204" pitchFamily="34" charset="0"/>
-                <a:cs typeface="Times New Roman" panose="02020603050405020304" pitchFamily="18" charset="0"/>
-              </a:rPr>
-              <a:t> демонстрация проекта ~ 2-3 мин.</a:t>
-            </a:r>
-            <a:endParaRPr lang="en-US" sz="2800" dirty="0">
-              <a:latin typeface="+mn-lt"/>
-              <a:ea typeface="Calibri" panose="020F0502020204030204" pitchFamily="34" charset="0"/>
-              <a:cs typeface="Times New Roman" panose="02020603050405020304" pitchFamily="18" charset="0"/>
-            </a:endParaRPr>
-          </a:p>
-          <a:p>
-            <a:pPr marL="457200" algn="ctr">
-              <a:lnSpc>
-                <a:spcPct val="115000"/>
-              </a:lnSpc>
-              <a:spcBef>
-                <a:spcPts val="1200"/>
-              </a:spcBef>
-              <a:spcAft>
-                <a:spcPts val="0"/>
-              </a:spcAft>
-            </a:pPr>
-            <a:r>
-              <a:rPr lang="ru-RU" sz="2800" dirty="0">
-                <a:latin typeface="+mn-lt"/>
-                <a:ea typeface="Calibri" panose="020F0502020204030204" pitchFamily="34" charset="0"/>
-                <a:cs typeface="Times New Roman" panose="02020603050405020304" pitchFamily="18" charset="0"/>
-              </a:rPr>
-              <a:t>(подготовить видеоролик)</a:t>
-            </a:r>
-            <a:endParaRPr lang="en-US" sz="2800" dirty="0">
-              <a:latin typeface="+mn-lt"/>
-              <a:ea typeface="Calibri" panose="020F0502020204030204" pitchFamily="34" charset="0"/>
-              <a:cs typeface="Times New Roman" panose="02020603050405020304" pitchFamily="18" charset="0"/>
-            </a:endParaRPr>
           </a:p>
         </p:txBody>
       </p:sp>
@@ -10254,6 +10192,36 @@
           </a:p>
         </p:txBody>
       </p:sp>
+      <p:pic>
+        <p:nvPicPr>
+          <p:cNvPr id="4" name="Picture 3">
+            <a:extLst>
+              <a:ext uri="{FF2B5EF4-FFF2-40B4-BE49-F238E27FC236}">
+                <a16:creationId xmlns:a16="http://schemas.microsoft.com/office/drawing/2014/main" id="{C0A47F47-1567-E446-ADD4-73DA71915FC6}"/>
+              </a:ext>
+            </a:extLst>
+          </p:cNvPr>
+          <p:cNvPicPr>
+            <a:picLocks noChangeAspect="1"/>
+          </p:cNvPicPr>
+          <p:nvPr/>
+        </p:nvPicPr>
+        <p:blipFill>
+          <a:blip r:embed="rId2"/>
+          <a:stretch>
+            <a:fillRect/>
+          </a:stretch>
+        </p:blipFill>
+        <p:spPr>
+          <a:xfrm>
+            <a:off x="1869503" y="1330039"/>
+            <a:ext cx="8480883" cy="4937086"/>
+          </a:xfrm>
+          <a:prstGeom prst="rect">
+            <a:avLst/>
+          </a:prstGeom>
+        </p:spPr>
+      </p:pic>
     </p:spTree>
     <p:extLst>
       <p:ext uri="{BB962C8B-B14F-4D97-AF65-F5344CB8AC3E}">
@@ -10454,6 +10422,36 @@
           </a:p>
         </p:txBody>
       </p:sp>
+      <p:pic>
+        <p:nvPicPr>
+          <p:cNvPr id="4" name="Picture 3">
+            <a:extLst>
+              <a:ext uri="{FF2B5EF4-FFF2-40B4-BE49-F238E27FC236}">
+                <a16:creationId xmlns:a16="http://schemas.microsoft.com/office/drawing/2014/main" id="{26AFD34E-D8F3-CF4E-8762-64456B9311A7}"/>
+              </a:ext>
+            </a:extLst>
+          </p:cNvPr>
+          <p:cNvPicPr>
+            <a:picLocks noChangeAspect="1"/>
+          </p:cNvPicPr>
+          <p:nvPr/>
+        </p:nvPicPr>
+        <p:blipFill>
+          <a:blip r:embed="rId2"/>
+          <a:stretch>
+            <a:fillRect/>
+          </a:stretch>
+        </p:blipFill>
+        <p:spPr>
+          <a:xfrm>
+            <a:off x="2443745" y="1332144"/>
+            <a:ext cx="7321227" cy="4937325"/>
+          </a:xfrm>
+          <a:prstGeom prst="rect">
+            <a:avLst/>
+          </a:prstGeom>
+        </p:spPr>
+      </p:pic>
     </p:spTree>
     <p:extLst>
       <p:ext uri="{BB962C8B-B14F-4D97-AF65-F5344CB8AC3E}">
@@ -10583,6 +10581,36 @@
           </a:p>
         </p:txBody>
       </p:sp>
+      <p:pic>
+        <p:nvPicPr>
+          <p:cNvPr id="3" name="Picture 2">
+            <a:extLst>
+              <a:ext uri="{FF2B5EF4-FFF2-40B4-BE49-F238E27FC236}">
+                <a16:creationId xmlns:a16="http://schemas.microsoft.com/office/drawing/2014/main" id="{9448014E-2860-A54B-BF63-107C6A3A165E}"/>
+              </a:ext>
+            </a:extLst>
+          </p:cNvPr>
+          <p:cNvPicPr>
+            <a:picLocks noChangeAspect="1"/>
+          </p:cNvPicPr>
+          <p:nvPr/>
+        </p:nvPicPr>
+        <p:blipFill>
+          <a:blip r:embed="rId2"/>
+          <a:stretch>
+            <a:fillRect/>
+          </a:stretch>
+        </p:blipFill>
+        <p:spPr>
+          <a:xfrm>
+            <a:off x="4377267" y="776089"/>
+            <a:ext cx="2514161" cy="5536679"/>
+          </a:xfrm>
+          <a:prstGeom prst="rect">
+            <a:avLst/>
+          </a:prstGeom>
+        </p:spPr>
+      </p:pic>
     </p:spTree>
     <p:extLst>
       <p:ext uri="{BB962C8B-B14F-4D97-AF65-F5344CB8AC3E}">

--- a/Диплом. Документация/Презентация.pptx
+++ b/Диплом. Документация/Презентация.pptx
@@ -5113,6 +5113,36 @@
           </a:p>
         </p:txBody>
       </p:sp>
+      <p:pic>
+        <p:nvPicPr>
+          <p:cNvPr id="3" name="Picture 2">
+            <a:extLst>
+              <a:ext uri="{FF2B5EF4-FFF2-40B4-BE49-F238E27FC236}">
+                <a16:creationId xmlns:a16="http://schemas.microsoft.com/office/drawing/2014/main" id="{0C7F5CC0-9E81-A742-BCFB-66A62AB14364}"/>
+              </a:ext>
+            </a:extLst>
+          </p:cNvPr>
+          <p:cNvPicPr>
+            <a:picLocks noChangeAspect="1"/>
+          </p:cNvPicPr>
+          <p:nvPr/>
+        </p:nvPicPr>
+        <p:blipFill>
+          <a:blip r:embed="rId2"/>
+          <a:stretch>
+            <a:fillRect/>
+          </a:stretch>
+        </p:blipFill>
+        <p:spPr>
+          <a:xfrm>
+            <a:off x="2051263" y="975650"/>
+            <a:ext cx="8117364" cy="5152418"/>
+          </a:xfrm>
+          <a:prstGeom prst="rect">
+            <a:avLst/>
+          </a:prstGeom>
+        </p:spPr>
+      </p:pic>
     </p:spTree>
     <p:extLst>
       <p:ext uri="{BB962C8B-B14F-4D97-AF65-F5344CB8AC3E}">

--- a/Диплом. Документация/Презентация.pptx
+++ b/Диплом. Документация/Презентация.pptx
@@ -5,10 +5,10 @@
     <p:sldMasterId id="2147483779" r:id="rId1"/>
   </p:sldMasterIdLst>
   <p:notesMasterIdLst>
-    <p:notesMasterId r:id="rId19"/>
+    <p:notesMasterId r:id="rId18"/>
   </p:notesMasterIdLst>
   <p:handoutMasterIdLst>
-    <p:handoutMasterId r:id="rId20"/>
+    <p:handoutMasterId r:id="rId19"/>
   </p:handoutMasterIdLst>
   <p:sldIdLst>
     <p:sldId id="583" r:id="rId2"/>
@@ -27,7 +27,6 @@
     <p:sldId id="585" r:id="rId15"/>
     <p:sldId id="560" r:id="rId16"/>
     <p:sldId id="584" r:id="rId17"/>
-    <p:sldId id="581" r:id="rId18"/>
   </p:sldIdLst>
   <p:sldSz cx="12195175" cy="6859588"/>
   <p:notesSz cx="6797675" cy="9874250"/>
@@ -7664,142 +7663,6 @@
 </p:sld>
 </file>
 
-<file path=ppt/slides/slide17.xml><?xml version="1.0" encoding="utf-8"?>
-<p:sld xmlns:a="http://schemas.openxmlformats.org/drawingml/2006/main" xmlns:r="http://schemas.openxmlformats.org/officeDocument/2006/relationships" xmlns:p="http://schemas.openxmlformats.org/presentationml/2006/main">
-  <p:cSld>
-    <p:spTree>
-      <p:nvGrpSpPr>
-        <p:cNvPr id="1" name=""/>
-        <p:cNvGrpSpPr/>
-        <p:nvPr/>
-      </p:nvGrpSpPr>
-      <p:grpSpPr>
-        <a:xfrm>
-          <a:off x="0" y="0"/>
-          <a:ext cx="0" cy="0"/>
-          <a:chOff x="0" y="0"/>
-          <a:chExt cx="0" cy="0"/>
-        </a:xfrm>
-      </p:grpSpPr>
-      <p:sp>
-        <p:nvSpPr>
-          <p:cNvPr id="2" name="Заголовок 1"/>
-          <p:cNvSpPr>
-            <a:spLocks noGrp="1"/>
-          </p:cNvSpPr>
-          <p:nvPr>
-            <p:ph type="title"/>
-          </p:nvPr>
-        </p:nvSpPr>
-        <p:spPr>
-          <a:xfrm>
-            <a:off x="942922" y="2664272"/>
-            <a:ext cx="10518338" cy="1325870"/>
-          </a:xfrm>
-        </p:spPr>
-        <p:txBody>
-          <a:bodyPr>
-            <a:normAutofit fontScale="90000"/>
-          </a:bodyPr>
-          <a:lstStyle/>
-          <a:p>
-            <a:r>
-              <a:rPr lang="ru-RU" dirty="0"/>
-              <a:t>Дополнительно (аварийный случай):</a:t>
-            </a:r>
-            <a:br>
-              <a:rPr lang="ru-RU" dirty="0"/>
-            </a:br>
-            <a:br>
-              <a:rPr lang="ru-RU" dirty="0"/>
-            </a:br>
-            <a:r>
-              <a:rPr lang="ru-RU" dirty="0"/>
-              <a:t>2 – 3 слайда по использованию приложения;</a:t>
-            </a:r>
-            <a:br>
-              <a:rPr lang="ru-RU" dirty="0"/>
-            </a:br>
-            <a:br>
-              <a:rPr lang="ru-RU" dirty="0"/>
-            </a:br>
-            <a:r>
-              <a:rPr lang="ru-RU" dirty="0"/>
-              <a:t>раздаточный материал для членов комиссии 4-6 шт. (10 – 18 стр. формата А4 со слайдами из презентации, ГЧ – обязательно вся должна быть представлена);</a:t>
-            </a:r>
-            <a:br>
-              <a:rPr lang="ru-RU" dirty="0"/>
-            </a:br>
-            <a:br>
-              <a:rPr lang="ru-RU" dirty="0"/>
-            </a:br>
-            <a:r>
-              <a:rPr lang="ru-RU" dirty="0"/>
-              <a:t>работающий проект.</a:t>
-            </a:r>
-            <a:br>
-              <a:rPr lang="ru-RU" dirty="0"/>
-            </a:br>
-            <a:endParaRPr lang="ru-RU" dirty="0"/>
-          </a:p>
-        </p:txBody>
-      </p:sp>
-      <p:sp>
-        <p:nvSpPr>
-          <p:cNvPr id="3" name="Прямоугольник 2"/>
-          <p:cNvSpPr/>
-          <p:nvPr/>
-        </p:nvSpPr>
-        <p:spPr>
-          <a:xfrm>
-            <a:off x="340115" y="6588745"/>
-            <a:ext cx="10998169" cy="206188"/>
-          </a:xfrm>
-          <a:prstGeom prst="rect">
-            <a:avLst/>
-          </a:prstGeom>
-        </p:spPr>
-        <p:style>
-          <a:lnRef idx="2">
-            <a:schemeClr val="dk1">
-              <a:shade val="50000"/>
-            </a:schemeClr>
-          </a:lnRef>
-          <a:fillRef idx="1">
-            <a:schemeClr val="dk1"/>
-          </a:fillRef>
-          <a:effectRef idx="0">
-            <a:schemeClr val="dk1"/>
-          </a:effectRef>
-          <a:fontRef idx="minor">
-            <a:schemeClr val="lt1"/>
-          </a:fontRef>
-        </p:style>
-        <p:txBody>
-          <a:bodyPr rtlCol="0" anchor="ctr"/>
-          <a:lstStyle/>
-          <a:p>
-            <a:pPr algn="ctr"/>
-            <a:endParaRPr lang="en-US"/>
-          </a:p>
-        </p:txBody>
-      </p:sp>
-    </p:spTree>
-    <p:extLst>
-      <p:ext uri="{BB962C8B-B14F-4D97-AF65-F5344CB8AC3E}">
-        <p14:creationId xmlns:p14="http://schemas.microsoft.com/office/powerpoint/2010/main" val="2319262066"/>
-      </p:ext>
-    </p:extLst>
-  </p:cSld>
-  <p:clrMapOvr>
-    <a:masterClrMapping/>
-  </p:clrMapOvr>
-  <p:transition spd="slow">
-    <p:push dir="u"/>
-  </p:transition>
-</p:sld>
-</file>
-
 <file path=ppt/slides/slide2.xml><?xml version="1.0" encoding="utf-8"?>
 <p:sld xmlns:a="http://schemas.openxmlformats.org/drawingml/2006/main" xmlns:r="http://schemas.openxmlformats.org/officeDocument/2006/relationships" xmlns:p="http://schemas.openxmlformats.org/presentationml/2006/main">
   <p:cSld>

--- a/Диплом. Документация/Презентация.pptx
+++ b/Диплом. Документация/Презентация.pptx
@@ -17,10 +17,10 @@
     <p:sldId id="544" r:id="rId5"/>
     <p:sldId id="546" r:id="rId6"/>
     <p:sldId id="548" r:id="rId7"/>
-    <p:sldId id="586" r:id="rId8"/>
-    <p:sldId id="566" r:id="rId9"/>
-    <p:sldId id="587" r:id="rId10"/>
-    <p:sldId id="588" r:id="rId11"/>
+    <p:sldId id="566" r:id="rId8"/>
+    <p:sldId id="586" r:id="rId9"/>
+    <p:sldId id="588" r:id="rId10"/>
+    <p:sldId id="587" r:id="rId11"/>
     <p:sldId id="589" r:id="rId12"/>
     <p:sldId id="575" r:id="rId13"/>
     <p:sldId id="576" r:id="rId14"/>
@@ -864,7 +864,7 @@
           <a:p>
             <a:fld id="{A0D0EFEF-2CAD-4A38-B183-5532D8FFC417}" type="datetimeFigureOut">
               <a:rPr lang="en-US" smtClean="0"/>
-              <a:t>5/31/21</a:t>
+              <a:t>6/4/21</a:t>
             </a:fld>
             <a:endParaRPr lang="en-US"/>
           </a:p>
@@ -1035,7 +1035,7 @@
           <a:p>
             <a:fld id="{A0D0EFEF-2CAD-4A38-B183-5532D8FFC417}" type="datetimeFigureOut">
               <a:rPr lang="en-US" smtClean="0"/>
-              <a:t>5/31/21</a:t>
+              <a:t>6/4/21</a:t>
             </a:fld>
             <a:endParaRPr lang="en-US"/>
           </a:p>
@@ -1216,7 +1216,7 @@
           <a:p>
             <a:fld id="{A0D0EFEF-2CAD-4A38-B183-5532D8FFC417}" type="datetimeFigureOut">
               <a:rPr lang="en-US" smtClean="0"/>
-              <a:t>5/31/21</a:t>
+              <a:t>6/4/21</a:t>
             </a:fld>
             <a:endParaRPr lang="en-US"/>
           </a:p>
@@ -1885,7 +1885,7 @@
           <a:p>
             <a:fld id="{A0D0EFEF-2CAD-4A38-B183-5532D8FFC417}" type="datetimeFigureOut">
               <a:rPr lang="en-US" smtClean="0"/>
-              <a:t>5/31/21</a:t>
+              <a:t>6/4/21</a:t>
             </a:fld>
             <a:endParaRPr lang="en-US"/>
           </a:p>
@@ -2132,7 +2132,7 @@
           <a:p>
             <a:fld id="{A0D0EFEF-2CAD-4A38-B183-5532D8FFC417}" type="datetimeFigureOut">
               <a:rPr lang="en-US" smtClean="0"/>
-              <a:t>5/31/21</a:t>
+              <a:t>6/4/21</a:t>
             </a:fld>
             <a:endParaRPr lang="en-US"/>
           </a:p>
@@ -2365,7 +2365,7 @@
           <a:p>
             <a:fld id="{A0D0EFEF-2CAD-4A38-B183-5532D8FFC417}" type="datetimeFigureOut">
               <a:rPr lang="en-US" smtClean="0"/>
-              <a:t>5/31/21</a:t>
+              <a:t>6/4/21</a:t>
             </a:fld>
             <a:endParaRPr lang="en-US"/>
           </a:p>
@@ -2733,7 +2733,7 @@
           <a:p>
             <a:fld id="{A0D0EFEF-2CAD-4A38-B183-5532D8FFC417}" type="datetimeFigureOut">
               <a:rPr lang="en-US" smtClean="0"/>
-              <a:t>5/31/21</a:t>
+              <a:t>6/4/21</a:t>
             </a:fld>
             <a:endParaRPr lang="en-US"/>
           </a:p>
@@ -2852,7 +2852,7 @@
           <a:p>
             <a:fld id="{A0D0EFEF-2CAD-4A38-B183-5532D8FFC417}" type="datetimeFigureOut">
               <a:rPr lang="en-US" smtClean="0"/>
-              <a:t>5/31/21</a:t>
+              <a:t>6/4/21</a:t>
             </a:fld>
             <a:endParaRPr lang="en-US"/>
           </a:p>
@@ -2948,7 +2948,7 @@
           <a:p>
             <a:fld id="{A0D0EFEF-2CAD-4A38-B183-5532D8FFC417}" type="datetimeFigureOut">
               <a:rPr lang="en-US" smtClean="0"/>
-              <a:t>5/31/21</a:t>
+              <a:t>6/4/21</a:t>
             </a:fld>
             <a:endParaRPr lang="en-US"/>
           </a:p>
@@ -3226,7 +3226,7 @@
           <a:p>
             <a:fld id="{A0D0EFEF-2CAD-4A38-B183-5532D8FFC417}" type="datetimeFigureOut">
               <a:rPr lang="en-US" smtClean="0"/>
-              <a:t>5/31/21</a:t>
+              <a:t>6/4/21</a:t>
             </a:fld>
             <a:endParaRPr lang="en-US"/>
           </a:p>
@@ -3480,7 +3480,7 @@
           <a:p>
             <a:fld id="{A0D0EFEF-2CAD-4A38-B183-5532D8FFC417}" type="datetimeFigureOut">
               <a:rPr lang="en-US" smtClean="0"/>
-              <a:t>5/31/21</a:t>
+              <a:t>6/4/21</a:t>
             </a:fld>
             <a:endParaRPr lang="en-US"/>
           </a:p>
@@ -3694,7 +3694,7 @@
           <a:p>
             <a:fld id="{A0D0EFEF-2CAD-4A38-B183-5532D8FFC417}" type="datetimeFigureOut">
               <a:rPr lang="en-US" smtClean="0"/>
-              <a:t>5/31/21</a:t>
+              <a:t>6/4/21</a:t>
             </a:fld>
             <a:endParaRPr lang="en-US"/>
           </a:p>
@@ -5076,7 +5076,7 @@
         </p:nvSpPr>
         <p:spPr>
           <a:xfrm>
-            <a:off x="370946" y="135912"/>
+            <a:off x="358589" y="135914"/>
             <a:ext cx="11477998" cy="640175"/>
           </a:xfrm>
           <a:prstGeom prst="rect">
@@ -5107,17 +5107,23 @@
                 <a:ea typeface="Apple SD Gothic Neo" panose="02000300000000000000" pitchFamily="2" charset="-127"/>
                 <a:cs typeface="Times New Roman" panose="02020603050405020304" pitchFamily="18" charset="0"/>
               </a:rPr>
-              <a:t>Диаграмма классов</a:t>
-            </a:r>
+              <a:t>Блок-схема процесса создания транзакции</a:t>
+            </a:r>
+            <a:endParaRPr lang="en-US" sz="3200" b="1" dirty="0">
+              <a:effectLst/>
+              <a:latin typeface="Apple SD Gothic Neo" panose="02000300000000000000" pitchFamily="2" charset="-127"/>
+              <a:ea typeface="Apple SD Gothic Neo" panose="02000300000000000000" pitchFamily="2" charset="-127"/>
+              <a:cs typeface="Times New Roman" panose="02020603050405020304" pitchFamily="18" charset="0"/>
+            </a:endParaRPr>
           </a:p>
         </p:txBody>
       </p:sp>
       <p:pic>
         <p:nvPicPr>
-          <p:cNvPr id="3" name="Picture 2">
+          <p:cNvPr id="4" name="Picture 3">
             <a:extLst>
               <a:ext uri="{FF2B5EF4-FFF2-40B4-BE49-F238E27FC236}">
-                <a16:creationId xmlns:a16="http://schemas.microsoft.com/office/drawing/2014/main" id="{0C7F5CC0-9E81-A742-BCFB-66A62AB14364}"/>
+                <a16:creationId xmlns:a16="http://schemas.microsoft.com/office/drawing/2014/main" id="{32CE6A04-8FB9-A340-A22F-38550DBC71A6}"/>
               </a:ext>
             </a:extLst>
           </p:cNvPr>
@@ -5134,8 +5140,8 @@
         </p:blipFill>
         <p:spPr>
           <a:xfrm>
-            <a:off x="2051263" y="975650"/>
-            <a:ext cx="8117364" cy="5152418"/>
+            <a:off x="1677885" y="776089"/>
+            <a:ext cx="8359574" cy="5573049"/>
           </a:xfrm>
           <a:prstGeom prst="rect">
             <a:avLst/>
@@ -5145,7 +5151,7 @@
     </p:spTree>
     <p:extLst>
       <p:ext uri="{BB962C8B-B14F-4D97-AF65-F5344CB8AC3E}">
-        <p14:creationId xmlns:p14="http://schemas.microsoft.com/office/powerpoint/2010/main" val="2361123374"/>
+        <p14:creationId xmlns:p14="http://schemas.microsoft.com/office/powerpoint/2010/main" val="1640138687"/>
       </p:ext>
     </p:extLst>
   </p:cSld>
@@ -9936,10 +9942,10 @@
       </p:sp>
       <p:pic>
         <p:nvPicPr>
-          <p:cNvPr id="6" name="Picture 5">
+          <p:cNvPr id="7" name="Picture 6">
             <a:extLst>
               <a:ext uri="{FF2B5EF4-FFF2-40B4-BE49-F238E27FC236}">
-                <a16:creationId xmlns:a16="http://schemas.microsoft.com/office/drawing/2014/main" id="{C97ADAD7-7EC5-A64B-98F6-FFD1488814CD}"/>
+                <a16:creationId xmlns:a16="http://schemas.microsoft.com/office/drawing/2014/main" id="{7028906F-5EB0-7A47-860B-7B8E96478B42}"/>
               </a:ext>
             </a:extLst>
           </p:cNvPr>
@@ -9956,8 +9962,8 @@
         </p:blipFill>
         <p:spPr>
           <a:xfrm>
-            <a:off x="3755238" y="1481666"/>
-            <a:ext cx="4684697" cy="4987933"/>
+            <a:off x="3480558" y="1418643"/>
+            <a:ext cx="4754228" cy="5030563"/>
           </a:xfrm>
           <a:prstGeom prst="rect">
             <a:avLst/>
@@ -9999,6 +10005,77 @@
       </p:grpSpPr>
       <p:sp>
         <p:nvSpPr>
+          <p:cNvPr id="2" name="Заголовок 1"/>
+          <p:cNvSpPr>
+            <a:spLocks noGrp="1"/>
+          </p:cNvSpPr>
+          <p:nvPr>
+            <p:ph type="title"/>
+          </p:nvPr>
+        </p:nvSpPr>
+        <p:spPr>
+          <a:xfrm>
+            <a:off x="358588" y="222970"/>
+            <a:ext cx="11491542" cy="518435"/>
+          </a:xfrm>
+        </p:spPr>
+        <p:txBody>
+          <a:bodyPr>
+            <a:noAutofit/>
+          </a:bodyPr>
+          <a:lstStyle/>
+          <a:p>
+            <a:pPr indent="450850"/>
+            <a:r>
+              <a:rPr lang="ru-RU" sz="4000" b="1" dirty="0">
+                <a:solidFill>
+                  <a:schemeClr val="bg2">
+                    <a:lumMod val="50000"/>
+                  </a:schemeClr>
+                </a:solidFill>
+                <a:latin typeface="Arial" panose="020B0604020202020204" pitchFamily="34" charset="0"/>
+                <a:cs typeface="Arial" panose="020B0604020202020204" pitchFamily="34" charset="0"/>
+              </a:rPr>
+              <a:t>Разработка</a:t>
+            </a:r>
+            <a:r>
+              <a:rPr lang="en-US" sz="4000" b="1" dirty="0">
+                <a:solidFill>
+                  <a:schemeClr val="bg2">
+                    <a:lumMod val="50000"/>
+                  </a:schemeClr>
+                </a:solidFill>
+                <a:latin typeface="Arial" panose="020B0604020202020204" pitchFamily="34" charset="0"/>
+                <a:cs typeface="Arial" panose="020B0604020202020204" pitchFamily="34" charset="0"/>
+              </a:rPr>
+              <a:t> </a:t>
+            </a:r>
+            <a:r>
+              <a:rPr lang="ru-RU" sz="4000" b="1" dirty="0">
+                <a:solidFill>
+                  <a:schemeClr val="bg2">
+                    <a:lumMod val="50000"/>
+                  </a:schemeClr>
+                </a:solidFill>
+                <a:latin typeface="Arial" panose="020B0604020202020204" pitchFamily="34" charset="0"/>
+                <a:cs typeface="Arial" panose="020B0604020202020204" pitchFamily="34" charset="0"/>
+              </a:rPr>
+              <a:t>программного средства</a:t>
+            </a:r>
+            <a:endParaRPr lang="en-US" sz="4000" b="1" dirty="0">
+              <a:solidFill>
+                <a:schemeClr val="bg2">
+                  <a:lumMod val="50000"/>
+                </a:schemeClr>
+              </a:solidFill>
+              <a:latin typeface="Arial" panose="020B0604020202020204" pitchFamily="34" charset="0"/>
+              <a:cs typeface="Arial" panose="020B0604020202020204" pitchFamily="34" charset="0"/>
+            </a:endParaRPr>
+          </a:p>
+        </p:txBody>
+      </p:sp>
+      <p:sp>
+        <p:nvSpPr>
           <p:cNvPr id="5" name="Прямоугольник 4"/>
           <p:cNvSpPr/>
           <p:nvPr/>
@@ -10039,14 +10116,20 @@
       </p:sp>
       <p:sp>
         <p:nvSpPr>
-          <p:cNvPr id="3" name="Прямоугольник 2"/>
+          <p:cNvPr id="6" name="Прямоугольник 2">
+            <a:extLst>
+              <a:ext uri="{FF2B5EF4-FFF2-40B4-BE49-F238E27FC236}">
+                <a16:creationId xmlns:a16="http://schemas.microsoft.com/office/drawing/2014/main" id="{31E7538D-1F2D-7440-B8B6-4EB83305D251}"/>
+              </a:ext>
+            </a:extLst>
+          </p:cNvPr>
           <p:cNvSpPr/>
           <p:nvPr/>
         </p:nvSpPr>
         <p:spPr>
           <a:xfrm>
-            <a:off x="370946" y="123555"/>
-            <a:ext cx="11477998" cy="1206484"/>
+            <a:off x="358589" y="691969"/>
+            <a:ext cx="11477998" cy="640175"/>
           </a:xfrm>
           <a:prstGeom prst="rect">
             <a:avLst/>
@@ -10070,13 +10153,15 @@
               </a:spcAft>
             </a:pPr>
             <a:r>
-              <a:rPr lang="ru-RU" sz="3200" b="1" dirty="0">
+              <a:rPr lang="ru-RU" sz="3200" dirty="0">
+                <a:effectLst/>
                 <a:latin typeface="Apple SD Gothic Neo" panose="02000300000000000000" pitchFamily="2" charset="-127"/>
                 <a:ea typeface="Apple SD Gothic Neo" panose="02000300000000000000" pitchFamily="2" charset="-127"/>
-              </a:rPr>
-              <a:t>Диаграмма последовательности процесса импорта криптокошелька</a:t>
-            </a:r>
-            <a:endParaRPr lang="en-US" sz="3200" b="1" dirty="0">
+                <a:cs typeface="Times New Roman" panose="02020603050405020304" pitchFamily="18" charset="0"/>
+              </a:rPr>
+              <a:t>Блок-схема процесса создания криптокошелька</a:t>
+            </a:r>
+            <a:endParaRPr lang="en-US" sz="3200" dirty="0">
               <a:effectLst/>
               <a:latin typeface="Apple SD Gothic Neo" panose="02000300000000000000" pitchFamily="2" charset="-127"/>
               <a:ea typeface="Apple SD Gothic Neo" panose="02000300000000000000" pitchFamily="2" charset="-127"/>
@@ -10087,10 +10172,10 @@
       </p:sp>
       <p:pic>
         <p:nvPicPr>
-          <p:cNvPr id="4" name="Picture 3">
+          <p:cNvPr id="7" name="Picture 6">
             <a:extLst>
               <a:ext uri="{FF2B5EF4-FFF2-40B4-BE49-F238E27FC236}">
-                <a16:creationId xmlns:a16="http://schemas.microsoft.com/office/drawing/2014/main" id="{C0A47F47-1567-E446-ADD4-73DA71915FC6}"/>
+                <a16:creationId xmlns:a16="http://schemas.microsoft.com/office/drawing/2014/main" id="{F5245B18-1D43-FD44-A8B3-1C8253214AEB}"/>
               </a:ext>
             </a:extLst>
           </p:cNvPr>
@@ -10107,8 +10192,8 @@
         </p:blipFill>
         <p:spPr>
           <a:xfrm>
-            <a:off x="1869503" y="1330039"/>
-            <a:ext cx="8480883" cy="4937086"/>
+            <a:off x="2121224" y="1332144"/>
+            <a:ext cx="7966270" cy="4913830"/>
           </a:xfrm>
           <a:prstGeom prst="rect">
             <a:avLst/>
@@ -10118,7 +10203,7 @@
     </p:spTree>
     <p:extLst>
       <p:ext uri="{BB962C8B-B14F-4D97-AF65-F5344CB8AC3E}">
-        <p14:creationId xmlns:p14="http://schemas.microsoft.com/office/powerpoint/2010/main" val="1627971093"/>
+        <p14:creationId xmlns:p14="http://schemas.microsoft.com/office/powerpoint/2010/main" val="3384486342"/>
       </p:ext>
     </p:extLst>
   </p:cSld>
@@ -10150,77 +10235,6 @@
       </p:grpSpPr>
       <p:sp>
         <p:nvSpPr>
-          <p:cNvPr id="2" name="Заголовок 1"/>
-          <p:cNvSpPr>
-            <a:spLocks noGrp="1"/>
-          </p:cNvSpPr>
-          <p:nvPr>
-            <p:ph type="title"/>
-          </p:nvPr>
-        </p:nvSpPr>
-        <p:spPr>
-          <a:xfrm>
-            <a:off x="358588" y="222970"/>
-            <a:ext cx="11491542" cy="518435"/>
-          </a:xfrm>
-        </p:spPr>
-        <p:txBody>
-          <a:bodyPr>
-            <a:noAutofit/>
-          </a:bodyPr>
-          <a:lstStyle/>
-          <a:p>
-            <a:pPr indent="450850"/>
-            <a:r>
-              <a:rPr lang="ru-RU" sz="4000" b="1" dirty="0">
-                <a:solidFill>
-                  <a:schemeClr val="bg2">
-                    <a:lumMod val="50000"/>
-                  </a:schemeClr>
-                </a:solidFill>
-                <a:latin typeface="Arial" panose="020B0604020202020204" pitchFamily="34" charset="0"/>
-                <a:cs typeface="Arial" panose="020B0604020202020204" pitchFamily="34" charset="0"/>
-              </a:rPr>
-              <a:t>Разработка</a:t>
-            </a:r>
-            <a:r>
-              <a:rPr lang="en-US" sz="4000" b="1" dirty="0">
-                <a:solidFill>
-                  <a:schemeClr val="bg2">
-                    <a:lumMod val="50000"/>
-                  </a:schemeClr>
-                </a:solidFill>
-                <a:latin typeface="Arial" panose="020B0604020202020204" pitchFamily="34" charset="0"/>
-                <a:cs typeface="Arial" panose="020B0604020202020204" pitchFamily="34" charset="0"/>
-              </a:rPr>
-              <a:t> </a:t>
-            </a:r>
-            <a:r>
-              <a:rPr lang="ru-RU" sz="4000" b="1" dirty="0">
-                <a:solidFill>
-                  <a:schemeClr val="bg2">
-                    <a:lumMod val="50000"/>
-                  </a:schemeClr>
-                </a:solidFill>
-                <a:latin typeface="Arial" panose="020B0604020202020204" pitchFamily="34" charset="0"/>
-                <a:cs typeface="Arial" panose="020B0604020202020204" pitchFamily="34" charset="0"/>
-              </a:rPr>
-              <a:t>программного средства</a:t>
-            </a:r>
-            <a:endParaRPr lang="en-US" sz="4000" b="1" dirty="0">
-              <a:solidFill>
-                <a:schemeClr val="bg2">
-                  <a:lumMod val="50000"/>
-                </a:schemeClr>
-              </a:solidFill>
-              <a:latin typeface="Arial" panose="020B0604020202020204" pitchFamily="34" charset="0"/>
-              <a:cs typeface="Arial" panose="020B0604020202020204" pitchFamily="34" charset="0"/>
-            </a:endParaRPr>
-          </a:p>
-        </p:txBody>
-      </p:sp>
-      <p:sp>
-        <p:nvSpPr>
           <p:cNvPr id="5" name="Прямоугольник 4"/>
           <p:cNvSpPr/>
           <p:nvPr/>
@@ -10261,20 +10275,14 @@
       </p:sp>
       <p:sp>
         <p:nvSpPr>
-          <p:cNvPr id="6" name="Прямоугольник 2">
-            <a:extLst>
-              <a:ext uri="{FF2B5EF4-FFF2-40B4-BE49-F238E27FC236}">
-                <a16:creationId xmlns:a16="http://schemas.microsoft.com/office/drawing/2014/main" id="{31E7538D-1F2D-7440-B8B6-4EB83305D251}"/>
-              </a:ext>
-            </a:extLst>
-          </p:cNvPr>
+          <p:cNvPr id="3" name="Прямоугольник 2"/>
           <p:cNvSpPr/>
           <p:nvPr/>
         </p:nvSpPr>
         <p:spPr>
           <a:xfrm>
-            <a:off x="358589" y="691969"/>
-            <a:ext cx="11477998" cy="640175"/>
+            <a:off x="370946" y="123555"/>
+            <a:ext cx="11477998" cy="1206484"/>
           </a:xfrm>
           <a:prstGeom prst="rect">
             <a:avLst/>
@@ -10298,15 +10306,13 @@
               </a:spcAft>
             </a:pPr>
             <a:r>
-              <a:rPr lang="ru-RU" sz="3200" dirty="0">
-                <a:effectLst/>
+              <a:rPr lang="ru-RU" sz="3200" b="1" dirty="0">
                 <a:latin typeface="Apple SD Gothic Neo" panose="02000300000000000000" pitchFamily="2" charset="-127"/>
                 <a:ea typeface="Apple SD Gothic Neo" panose="02000300000000000000" pitchFamily="2" charset="-127"/>
-                <a:cs typeface="Times New Roman" panose="02020603050405020304" pitchFamily="18" charset="0"/>
-              </a:rPr>
-              <a:t>Блок-схема процесса создания криптокошелька</a:t>
-            </a:r>
-            <a:endParaRPr lang="en-US" sz="3200" dirty="0">
+              </a:rPr>
+              <a:t>Блок-схема процесса автоблокировки мобильного приложения</a:t>
+            </a:r>
+            <a:endParaRPr lang="en-US" sz="3200" b="1" dirty="0">
               <a:effectLst/>
               <a:latin typeface="Apple SD Gothic Neo" panose="02000300000000000000" pitchFamily="2" charset="-127"/>
               <a:ea typeface="Apple SD Gothic Neo" panose="02000300000000000000" pitchFamily="2" charset="-127"/>
@@ -10320,13 +10326,11 @@
           <p:cNvPr id="4" name="Picture 3">
             <a:extLst>
               <a:ext uri="{FF2B5EF4-FFF2-40B4-BE49-F238E27FC236}">
-                <a16:creationId xmlns:a16="http://schemas.microsoft.com/office/drawing/2014/main" id="{26AFD34E-D8F3-CF4E-8762-64456B9311A7}"/>
+                <a16:creationId xmlns:a16="http://schemas.microsoft.com/office/drawing/2014/main" id="{48DC1CB6-F650-7B49-AB59-08E893C74D1D}"/>
               </a:ext>
             </a:extLst>
           </p:cNvPr>
-          <p:cNvPicPr>
-            <a:picLocks noChangeAspect="1"/>
-          </p:cNvPicPr>
+          <p:cNvPicPr/>
           <p:nvPr/>
         </p:nvPicPr>
         <p:blipFill>
@@ -10337,8 +10341,8 @@
         </p:blipFill>
         <p:spPr>
           <a:xfrm>
-            <a:off x="2443745" y="1332144"/>
-            <a:ext cx="7321227" cy="4937325"/>
+            <a:off x="2346584" y="1330039"/>
+            <a:ext cx="7022176" cy="5039574"/>
           </a:xfrm>
           <a:prstGeom prst="rect">
             <a:avLst/>
@@ -10348,7 +10352,7 @@
     </p:spTree>
     <p:extLst>
       <p:ext uri="{BB962C8B-B14F-4D97-AF65-F5344CB8AC3E}">
-        <p14:creationId xmlns:p14="http://schemas.microsoft.com/office/powerpoint/2010/main" val="3384486342"/>
+        <p14:creationId xmlns:p14="http://schemas.microsoft.com/office/powerpoint/2010/main" val="1627971093"/>
       </p:ext>
     </p:extLst>
   </p:cSld>
@@ -10432,7 +10436,7 @@
         </p:nvSpPr>
         <p:spPr>
           <a:xfrm>
-            <a:off x="358589" y="135914"/>
+            <a:off x="370946" y="135912"/>
             <a:ext cx="11477998" cy="640175"/>
           </a:xfrm>
           <a:prstGeom prst="rect">
@@ -10463,23 +10467,17 @@
                 <a:ea typeface="Apple SD Gothic Neo" panose="02000300000000000000" pitchFamily="2" charset="-127"/>
                 <a:cs typeface="Times New Roman" panose="02020603050405020304" pitchFamily="18" charset="0"/>
               </a:rPr>
-              <a:t>Блок-схема процесса создания транзакции</a:t>
-            </a:r>
-            <a:endParaRPr lang="en-US" sz="3200" b="1" dirty="0">
-              <a:effectLst/>
-              <a:latin typeface="Apple SD Gothic Neo" panose="02000300000000000000" pitchFamily="2" charset="-127"/>
-              <a:ea typeface="Apple SD Gothic Neo" panose="02000300000000000000" pitchFamily="2" charset="-127"/>
-              <a:cs typeface="Times New Roman" panose="02020603050405020304" pitchFamily="18" charset="0"/>
-            </a:endParaRPr>
+              <a:t>Диаграмма классов</a:t>
+            </a:r>
           </a:p>
         </p:txBody>
       </p:sp>
       <p:pic>
         <p:nvPicPr>
-          <p:cNvPr id="3" name="Picture 2">
+          <p:cNvPr id="4" name="Graphic 3">
             <a:extLst>
               <a:ext uri="{FF2B5EF4-FFF2-40B4-BE49-F238E27FC236}">
-                <a16:creationId xmlns:a16="http://schemas.microsoft.com/office/drawing/2014/main" id="{9448014E-2860-A54B-BF63-107C6A3A165E}"/>
+                <a16:creationId xmlns:a16="http://schemas.microsoft.com/office/drawing/2014/main" id="{D71A12DA-0CF3-0847-BE6D-76702773BF7C}"/>
               </a:ext>
             </a:extLst>
           </p:cNvPr>
@@ -10489,15 +10487,21 @@
           <p:nvPr/>
         </p:nvPicPr>
         <p:blipFill>
-          <a:blip r:embed="rId2"/>
+          <a:blip r:embed="rId2">
+            <a:extLst>
+              <a:ext uri="{96DAC541-7B7A-43D3-8B79-37D633B846F1}">
+                <asvg:svgBlip xmlns:asvg="http://schemas.microsoft.com/office/drawing/2016/SVG/main" r:embed="rId3"/>
+              </a:ext>
+            </a:extLst>
+          </a:blip>
           <a:stretch>
             <a:fillRect/>
           </a:stretch>
         </p:blipFill>
         <p:spPr>
           <a:xfrm>
-            <a:off x="4377267" y="776089"/>
-            <a:ext cx="2514161" cy="5536679"/>
+            <a:off x="1874295" y="776087"/>
+            <a:ext cx="8446583" cy="5463796"/>
           </a:xfrm>
           <a:prstGeom prst="rect">
             <a:avLst/>
@@ -10507,7 +10511,7 @@
     </p:spTree>
     <p:extLst>
       <p:ext uri="{BB962C8B-B14F-4D97-AF65-F5344CB8AC3E}">
-        <p14:creationId xmlns:p14="http://schemas.microsoft.com/office/powerpoint/2010/main" val="1640138687"/>
+        <p14:creationId xmlns:p14="http://schemas.microsoft.com/office/powerpoint/2010/main" val="2361123374"/>
       </p:ext>
     </p:extLst>
   </p:cSld>

--- a/Диплом. Документация/Презентация.pptx
+++ b/Диплом. Документация/Презентация.pptx
@@ -864,7 +864,7 @@
           <a:p>
             <a:fld id="{A0D0EFEF-2CAD-4A38-B183-5532D8FFC417}" type="datetimeFigureOut">
               <a:rPr lang="en-US" smtClean="0"/>
-              <a:t>6/4/21</a:t>
+              <a:t>6/7/21</a:t>
             </a:fld>
             <a:endParaRPr lang="en-US"/>
           </a:p>
@@ -1035,7 +1035,7 @@
           <a:p>
             <a:fld id="{A0D0EFEF-2CAD-4A38-B183-5532D8FFC417}" type="datetimeFigureOut">
               <a:rPr lang="en-US" smtClean="0"/>
-              <a:t>6/4/21</a:t>
+              <a:t>6/7/21</a:t>
             </a:fld>
             <a:endParaRPr lang="en-US"/>
           </a:p>
@@ -1216,7 +1216,7 @@
           <a:p>
             <a:fld id="{A0D0EFEF-2CAD-4A38-B183-5532D8FFC417}" type="datetimeFigureOut">
               <a:rPr lang="en-US" smtClean="0"/>
-              <a:t>6/4/21</a:t>
+              <a:t>6/7/21</a:t>
             </a:fld>
             <a:endParaRPr lang="en-US"/>
           </a:p>
@@ -1885,7 +1885,7 @@
           <a:p>
             <a:fld id="{A0D0EFEF-2CAD-4A38-B183-5532D8FFC417}" type="datetimeFigureOut">
               <a:rPr lang="en-US" smtClean="0"/>
-              <a:t>6/4/21</a:t>
+              <a:t>6/7/21</a:t>
             </a:fld>
             <a:endParaRPr lang="en-US"/>
           </a:p>
@@ -2132,7 +2132,7 @@
           <a:p>
             <a:fld id="{A0D0EFEF-2CAD-4A38-B183-5532D8FFC417}" type="datetimeFigureOut">
               <a:rPr lang="en-US" smtClean="0"/>
-              <a:t>6/4/21</a:t>
+              <a:t>6/7/21</a:t>
             </a:fld>
             <a:endParaRPr lang="en-US"/>
           </a:p>
@@ -2365,7 +2365,7 @@
           <a:p>
             <a:fld id="{A0D0EFEF-2CAD-4A38-B183-5532D8FFC417}" type="datetimeFigureOut">
               <a:rPr lang="en-US" smtClean="0"/>
-              <a:t>6/4/21</a:t>
+              <a:t>6/7/21</a:t>
             </a:fld>
             <a:endParaRPr lang="en-US"/>
           </a:p>
@@ -2733,7 +2733,7 @@
           <a:p>
             <a:fld id="{A0D0EFEF-2CAD-4A38-B183-5532D8FFC417}" type="datetimeFigureOut">
               <a:rPr lang="en-US" smtClean="0"/>
-              <a:t>6/4/21</a:t>
+              <a:t>6/7/21</a:t>
             </a:fld>
             <a:endParaRPr lang="en-US"/>
           </a:p>
@@ -2852,7 +2852,7 @@
           <a:p>
             <a:fld id="{A0D0EFEF-2CAD-4A38-B183-5532D8FFC417}" type="datetimeFigureOut">
               <a:rPr lang="en-US" smtClean="0"/>
-              <a:t>6/4/21</a:t>
+              <a:t>6/7/21</a:t>
             </a:fld>
             <a:endParaRPr lang="en-US"/>
           </a:p>
@@ -2948,7 +2948,7 @@
           <a:p>
             <a:fld id="{A0D0EFEF-2CAD-4A38-B183-5532D8FFC417}" type="datetimeFigureOut">
               <a:rPr lang="en-US" smtClean="0"/>
-              <a:t>6/4/21</a:t>
+              <a:t>6/7/21</a:t>
             </a:fld>
             <a:endParaRPr lang="en-US"/>
           </a:p>
@@ -3226,7 +3226,7 @@
           <a:p>
             <a:fld id="{A0D0EFEF-2CAD-4A38-B183-5532D8FFC417}" type="datetimeFigureOut">
               <a:rPr lang="en-US" smtClean="0"/>
-              <a:t>6/4/21</a:t>
+              <a:t>6/7/21</a:t>
             </a:fld>
             <a:endParaRPr lang="en-US"/>
           </a:p>
@@ -3480,7 +3480,7 @@
           <a:p>
             <a:fld id="{A0D0EFEF-2CAD-4A38-B183-5532D8FFC417}" type="datetimeFigureOut">
               <a:rPr lang="en-US" smtClean="0"/>
-              <a:t>6/4/21</a:t>
+              <a:t>6/7/21</a:t>
             </a:fld>
             <a:endParaRPr lang="en-US"/>
           </a:p>
@@ -3694,7 +3694,7 @@
           <a:p>
             <a:fld id="{A0D0EFEF-2CAD-4A38-B183-5532D8FFC417}" type="datetimeFigureOut">
               <a:rPr lang="en-US" smtClean="0"/>
-              <a:t>6/4/21</a:t>
+              <a:t>6/7/21</a:t>
             </a:fld>
             <a:endParaRPr lang="en-US"/>
           </a:p>
@@ -10172,10 +10172,10 @@
       </p:sp>
       <p:pic>
         <p:nvPicPr>
-          <p:cNvPr id="7" name="Picture 6">
+          <p:cNvPr id="4" name="Picture 3">
             <a:extLst>
               <a:ext uri="{FF2B5EF4-FFF2-40B4-BE49-F238E27FC236}">
-                <a16:creationId xmlns:a16="http://schemas.microsoft.com/office/drawing/2014/main" id="{F5245B18-1D43-FD44-A8B3-1C8253214AEB}"/>
+                <a16:creationId xmlns:a16="http://schemas.microsoft.com/office/drawing/2014/main" id="{5D599691-F3C9-1747-AFAE-EE3DFAE08A17}"/>
               </a:ext>
             </a:extLst>
           </p:cNvPr>
@@ -10192,8 +10192,8 @@
         </p:blipFill>
         <p:spPr>
           <a:xfrm>
-            <a:off x="2121224" y="1332144"/>
-            <a:ext cx="7966270" cy="4913830"/>
+            <a:off x="1775353" y="1332144"/>
+            <a:ext cx="8164637" cy="5032408"/>
           </a:xfrm>
           <a:prstGeom prst="rect">
             <a:avLst/>
@@ -10467,7 +10467,34 @@
                 <a:ea typeface="Apple SD Gothic Neo" panose="02000300000000000000" pitchFamily="2" charset="-127"/>
                 <a:cs typeface="Times New Roman" panose="02020603050405020304" pitchFamily="18" charset="0"/>
               </a:rPr>
-              <a:t>Диаграмма классов</a:t>
+              <a:t>Диаграмма классов </a:t>
+            </a:r>
+            <a:r>
+              <a:rPr lang="en-US" sz="3200" b="1" i="1" dirty="0" err="1">
+                <a:effectLst/>
+                <a:latin typeface="Apple SD Gothic Neo" panose="02000300000000000000" pitchFamily="2" charset="-127"/>
+                <a:ea typeface="Apple SD Gothic Neo" panose="02000300000000000000" pitchFamily="2" charset="-127"/>
+                <a:cs typeface="Times New Roman" panose="02020603050405020304" pitchFamily="18" charset="0"/>
+              </a:rPr>
+              <a:t>BTCAuth</a:t>
+            </a:r>
+            <a:r>
+              <a:rPr lang="en-US" sz="3200" b="1" dirty="0">
+                <a:effectLst/>
+                <a:latin typeface="Apple SD Gothic Neo" panose="02000300000000000000" pitchFamily="2" charset="-127"/>
+                <a:ea typeface="Apple SD Gothic Neo" panose="02000300000000000000" pitchFamily="2" charset="-127"/>
+                <a:cs typeface="Times New Roman" panose="02020603050405020304" pitchFamily="18" charset="0"/>
+              </a:rPr>
+              <a:t> </a:t>
+            </a:r>
+            <a:r>
+              <a:rPr lang="ru-RU" sz="3200" b="1" dirty="0">
+                <a:effectLst/>
+                <a:latin typeface="Apple SD Gothic Neo" panose="02000300000000000000" pitchFamily="2" charset="-127"/>
+                <a:ea typeface="Apple SD Gothic Neo" panose="02000300000000000000" pitchFamily="2" charset="-127"/>
+                <a:cs typeface="Times New Roman" panose="02020603050405020304" pitchFamily="18" charset="0"/>
+              </a:rPr>
+              <a:t>сервиса</a:t>
             </a:r>
           </a:p>
         </p:txBody>
